--- a/data/output/pptx/story_2_the_pandavas’_teamwork_in_building_the_indraprastha_palace.pptx
+++ b/data/output/pptx/story_2_the_pandavas’_teamwork_in_building_the_indraprastha_palace.pptx
@@ -11,6 +11,7 @@
     <p:sldId id="259" r:id="rId10"/>
     <p:sldId id="260" r:id="rId11"/>
     <p:sldId id="261" r:id="rId12"/>
+    <p:sldId id="262" r:id="rId13"/>
   </p:sldIdLst>
   <p:sldSz cx="9144000" cy="6858000" type="screen4x3"/>
   <p:notesSz cx="6858000" cy="9144000"/>
@@ -3130,7 +3131,19 @@
           <a:lstStyle/>
           <a:p>
             <a:r>
-              <a:t>The five Pandava brothers stood on a dry, thorny land called Khandavaprastha. It looked sad and empt</a:t>
+              <a:t>Of course! Here is a short story for children about the Pandavas building Indraprastha.</a:t>
+            </a:r>
+          </a:p>
+          <a:p/>
+          <a:p>
+            <a:r>
+              <a:t>***</a:t>
+            </a:r>
+          </a:p>
+          <a:p/>
+          <a:p>
+            <a:r>
+              <a:t>### Th</a:t>
             </a:r>
           </a:p>
         </p:txBody>
@@ -3187,7 +3200,7 @@
           <a:p>
             <a:pPr algn="l"/>
             <a:r>
-              <a:t>The five Pandava brothers stood on a dry, thorny land called Khandavaprastha. It looked sad and empty. But their dear friend, Lord Krishna, smiled. "Together," he said, "you can turn this into paradise!" So, they got to work as a team! Yudhishthira, the wise king, drew a master plan for</a:t>
+              <a:t>Of course! Here is a short story for children about the Pandavas building Indraprastha. *** ### The Magical Palace of Teamwork The five Pandava brothers—Yudhishthira, Bhima, Arjuna, and the twins Nakula and Sahadeva—were given a dry, barren land. But they didn't see a wasteland; they saw a dream called Indraprastha.</a:t>
             </a:r>
           </a:p>
         </p:txBody>
@@ -3244,7 +3257,7 @@
           <a:p>
             <a:pPr algn="l"/>
             <a:r>
-              <a:t>a grand city. Mighty Bhima used his super strength to clear heavy rocks and trees, tossing them like pebbles. Brave Arjuna stood guard with his powerful bow, Gandiva, protecting everyone. The clever twins, Nakula and Sahadeva, planned beautiful gardens and magnificent stables for their horses. They were helped by Maya</a:t>
+              <a:t>To help them, the magical architect Maya Danava appeared. “I can provide the magic,” he said, “but you must provide the teamwork!” The brothers agreed. Wise Yudhishthira drew the master plan for the city. Mighty Bhima, strong as ten elephants, lifted giant rocks and heavy wooden beams. *Wham! Thud!* Skillful</a:t>
             </a:r>
           </a:p>
         </p:txBody>
@@ -3301,7 +3314,7 @@
           <a:p>
             <a:pPr algn="l"/>
             <a:r>
-              <a:t>Danava, a magical architect. He built a palace so dazzling it tricked the eyes! It had shiny floors that looked like flowing water and pools that looked like solid crystal. Soon, the thorny land was transformed into the magnificent city of Indraprastha, a jewel on the earth. The brothers looked</a:t>
+              <a:t>Arjuna used his arrows to clear thorny bushes and keep the workers safe. The gentle twins, Nakula and Sahadeva, planted beautiful gardens and lovingly cared for all the animals. Working together, they built a breathtaking palace of illusions. Its shiny floors looked like pools of clear water, and its walls</a:t>
             </a:r>
           </a:p>
         </p:txBody>
@@ -3358,7 +3371,7 @@
           <a:p>
             <a:pPr algn="l"/>
             <a:r>
-              <a:t>at their wonderful home and knew they had built it with something stronger than magic: teamwork. **Moral of the story:** Just like how Lord Rama’s Vanara Sena built a bridge to Lanka, the Pandavas showed that when we work together and combine our unique skills, we can create wonders.</a:t>
+              <a:t>sparkled like diamonds. It was the most wonderful palace in the world! The brothers stood back, proud of what their teamwork had created. **Moral of the story:** Just as Lord Rama’s Vanara Sena worked together to build a bridge to Lanka, the Pandavas showed that when everyone combines their unique</a:t>
             </a:r>
           </a:p>
         </p:txBody>
@@ -3372,6 +3385,63 @@
 </file>
 
 <file path=ppt/slides/slide6.xml><?xml version="1.0" encoding="utf-8"?>
+<p:sld xmlns:a="http://schemas.openxmlformats.org/drawingml/2006/main" xmlns:p="http://schemas.openxmlformats.org/presentationml/2006/main" xmlns:r="http://schemas.openxmlformats.org/officeDocument/2006/relationships">
+  <p:cSld>
+    <p:spTree>
+      <p:nvGrpSpPr>
+        <p:cNvPr id="1" name=""/>
+        <p:cNvGrpSpPr/>
+        <p:nvPr/>
+      </p:nvGrpSpPr>
+      <p:grpSpPr/>
+      <p:sp>
+        <p:nvSpPr>
+          <p:cNvPr id="2" name="Title 1"/>
+          <p:cNvSpPr>
+            <a:spLocks noGrp="1"/>
+          </p:cNvSpPr>
+          <p:nvPr>
+            <p:ph type="title"/>
+          </p:nvPr>
+        </p:nvSpPr>
+        <p:spPr/>
+        <p:txBody>
+          <a:bodyPr/>
+          <a:lstStyle/>
+          <a:p/>
+        </p:txBody>
+      </p:sp>
+      <p:sp>
+        <p:nvSpPr>
+          <p:cNvPr id="3" name="Content Placeholder 2"/>
+          <p:cNvSpPr>
+            <a:spLocks noGrp="1"/>
+          </p:cNvSpPr>
+          <p:nvPr>
+            <p:ph idx="1"/>
+          </p:nvPr>
+        </p:nvSpPr>
+        <p:spPr/>
+        <p:txBody>
+          <a:bodyPr/>
+          <a:lstStyle/>
+          <a:p>
+            <a:pPr algn="l"/>
+            <a:r>
+              <a:t>talents, they can turn an empty land into a paradise.</a:t>
+            </a:r>
+          </a:p>
+        </p:txBody>
+      </p:sp>
+    </p:spTree>
+  </p:cSld>
+  <p:clrMapOvr>
+    <a:masterClrMapping/>
+  </p:clrMapOvr>
+</p:sld>
+</file>
+
+<file path=ppt/slides/slide7.xml><?xml version="1.0" encoding="utf-8"?>
 <p:sld xmlns:a="http://schemas.openxmlformats.org/drawingml/2006/main" xmlns:p="http://schemas.openxmlformats.org/presentationml/2006/main" xmlns:r="http://schemas.openxmlformats.org/officeDocument/2006/relationships">
   <p:cSld>
     <p:spTree>
